--- a/docs/sdn-lecture-notes.pptx
+++ b/docs/sdn-lecture-notes.pptx
@@ -350,7 +350,7 @@
             </a:pPr>
             <a:r>
               <a:rPr sz="2400"/>
-              <a:t>Difficult to introduce a new control mechanism - increased complexity. There is no control plane abstraction. For example applications can choose TCP or UDP depending on real-time constraints imposed to achieve what is required best. On the next slide we focus on one of the most common device router.</a:t>
+              <a:t>Difficult to introduce a new control mechanism - increased complexity. For example applications can choose TCP or UDP depending on real-time constraints imposed to achieve what is required best. On the next slide we focus on one of the most common device router.</a:t>
             </a:r>
           </a:p>
         </p:txBody>
@@ -573,6 +573,16 @@
         <p:txBody>
           <a:bodyPr/>
           <a:lstStyle/>
+          <a:p>
+            <a:pPr lvl="0">
+              <a:defRPr sz="1800"/>
+            </a:pPr>
+            <a:r>
+              <a:rPr sz="2400"/>
+              <a:t>A single control plane control multiple data planes via a well</a:t>
+            </a:r>
+            <a:endParaRPr sz="2400"/>
+          </a:p>
           <a:p>
             <a:pPr lvl="0">
               <a:defRPr sz="1800"/>
@@ -2458,7 +2468,7 @@
             </a:pPr>
             <a:r>
               <a:rPr sz="6000"/>
-              <a:t>Control Layer Views</a:t>
+              <a:t>SDN Control Layer Views</a:t>
             </a:r>
           </a:p>
         </p:txBody>
@@ -2484,40 +2494,40 @@
           <a:bodyPr/>
           <a:lstStyle/>
           <a:p>
-            <a:pPr lvl="0" marL="444500" indent="-444500">
+            <a:pPr lvl="0" marL="293370" indent="-293370" defTabSz="385572">
               <a:spcBef>
-                <a:spcPts val="4200"/>
+                <a:spcPts val="2700"/>
               </a:spcBef>
               <a:defRPr sz="1800"/>
             </a:pPr>
             <a:r>
-              <a:rPr sz="2000"/>
+              <a:rPr sz="2376"/>
               <a:t>NOS distributed state model - physical topology and state information into global network view.</a:t>
             </a:r>
-            <a:endParaRPr sz="2000"/>
-          </a:p>
-          <a:p>
-            <a:pPr lvl="0" marL="444500" indent="-444500">
+            <a:endParaRPr sz="2376"/>
+          </a:p>
+          <a:p>
+            <a:pPr lvl="0" marL="293370" indent="-293370" defTabSz="385572">
               <a:spcBef>
-                <a:spcPts val="4200"/>
+                <a:spcPts val="2700"/>
               </a:spcBef>
               <a:defRPr sz="1800"/>
             </a:pPr>
             <a:r>
-              <a:rPr sz="2000"/>
+              <a:rPr sz="2376"/>
               <a:t>NOS embedded applications create a simplify view of the network - abstract network view. </a:t>
             </a:r>
-            <a:endParaRPr sz="2000"/>
-          </a:p>
-          <a:p>
-            <a:pPr lvl="0" marL="444500" indent="-444500">
+            <a:endParaRPr sz="2376"/>
+          </a:p>
+          <a:p>
+            <a:pPr lvl="0" marL="293370" indent="-293370" defTabSz="385572">
               <a:spcBef>
-                <a:spcPts val="4200"/>
+                <a:spcPts val="2700"/>
               </a:spcBef>
               <a:defRPr sz="1800"/>
             </a:pPr>
             <a:r>
-              <a:rPr sz="2000"/>
+              <a:rPr sz="2376"/>
               <a:t>Abstract/virtual network view example access control list (ACL).</a:t>
             </a:r>
           </a:p>
@@ -4714,22 +4724,22 @@
           <a:bodyPr/>
           <a:lstStyle/>
           <a:p>
-            <a:pPr lvl="0" marL="444500" indent="-444500">
+            <a:pPr lvl="0" marL="440055" indent="-440055" defTabSz="578358">
               <a:spcBef>
-                <a:spcPts val="4200"/>
+                <a:spcPts val="4100"/>
               </a:spcBef>
               <a:defRPr sz="1800"/>
             </a:pPr>
             <a:r>
-              <a:rPr sz="2000"/>
+              <a:rPr sz="3564"/>
               <a:t>Abstract Network View</a:t>
             </a:r>
-            <a:endParaRPr sz="2000"/>
-          </a:p>
-          <a:p>
-            <a:pPr lvl="1" marL="673100" indent="-228600">
+            <a:endParaRPr sz="3564"/>
+          </a:p>
+          <a:p>
+            <a:pPr lvl="1" marL="666369" indent="-226313" defTabSz="578358">
               <a:spcBef>
-                <a:spcPts val="4200"/>
+                <a:spcPts val="4100"/>
               </a:spcBef>
               <a:buSzPct val="100000"/>
               <a:buBlip>
@@ -4738,28 +4748,28 @@
               <a:defRPr sz="1800"/>
             </a:pPr>
             <a:r>
-              <a:rPr sz="2000"/>
+              <a:rPr sz="3564"/>
               <a:t>Shields control program from details of physical network.</a:t>
             </a:r>
-            <a:endParaRPr sz="2000"/>
-          </a:p>
-          <a:p>
-            <a:pPr lvl="0" marL="444500" indent="-444500">
+            <a:endParaRPr sz="3564"/>
+          </a:p>
+          <a:p>
+            <a:pPr lvl="0" marL="440055" indent="-440055" defTabSz="578358">
               <a:spcBef>
-                <a:spcPts val="4200"/>
+                <a:spcPts val="4100"/>
               </a:spcBef>
               <a:defRPr sz="1800"/>
             </a:pPr>
             <a:r>
-              <a:rPr sz="2000"/>
+              <a:rPr sz="3564"/>
               <a:t>Global network view</a:t>
             </a:r>
-            <a:endParaRPr sz="2000"/>
-          </a:p>
-          <a:p>
-            <a:pPr lvl="1" marL="673100" indent="-228600">
+            <a:endParaRPr sz="3564"/>
+          </a:p>
+          <a:p>
+            <a:pPr lvl="1" marL="666369" indent="-226313" defTabSz="578358">
               <a:spcBef>
-                <a:spcPts val="4200"/>
+                <a:spcPts val="4100"/>
               </a:spcBef>
               <a:buSzPct val="100000"/>
               <a:buBlip>
@@ -4768,28 +4778,28 @@
               <a:defRPr sz="1800"/>
             </a:pPr>
             <a:r>
-              <a:rPr sz="2000"/>
+              <a:rPr sz="3564"/>
               <a:t>Shields higher layers from state dissemination/collection.</a:t>
             </a:r>
-            <a:endParaRPr sz="2000"/>
-          </a:p>
-          <a:p>
-            <a:pPr lvl="0" marL="444500" indent="-444500">
+            <a:endParaRPr sz="3564"/>
+          </a:p>
+          <a:p>
+            <a:pPr lvl="0" marL="440055" indent="-440055" defTabSz="578358">
               <a:spcBef>
-                <a:spcPts val="4200"/>
+                <a:spcPts val="4100"/>
               </a:spcBef>
               <a:defRPr sz="1800"/>
             </a:pPr>
             <a:r>
-              <a:rPr sz="2000"/>
+              <a:rPr sz="3564"/>
               <a:t>Forwarding interface</a:t>
             </a:r>
-            <a:endParaRPr sz="2000"/>
-          </a:p>
-          <a:p>
-            <a:pPr lvl="1" marL="673100" indent="-228600">
+            <a:endParaRPr sz="3564"/>
+          </a:p>
+          <a:p>
+            <a:pPr lvl="1" marL="666369" indent="-226313" defTabSz="578358">
               <a:spcBef>
-                <a:spcPts val="4200"/>
+                <a:spcPts val="4100"/>
               </a:spcBef>
               <a:buSzPct val="100000"/>
               <a:buBlip>
@@ -4798,7 +4808,7 @@
               <a:defRPr sz="1800"/>
             </a:pPr>
             <a:r>
-              <a:rPr sz="2000"/>
+              <a:rPr sz="3564"/>
               <a:t>Provides flexible abstract forwarding model.</a:t>
             </a:r>
           </a:p>
@@ -4839,6 +4849,10 @@
           </p:nvPr>
         </p:nvSpPr>
         <p:spPr>
+          <a:xfrm>
+            <a:off x="952500" y="38100"/>
+            <a:ext cx="11099800" cy="2159000"/>
+          </a:xfrm>
           <a:prstGeom prst="rect">
             <a:avLst/>
           </a:prstGeom>
@@ -4856,7 +4870,7 @@
             </a:pPr>
             <a:r>
               <a:rPr sz="6000"/>
-              <a:t>SDN definition</a:t>
+              <a:t>OpenFlow</a:t>
             </a:r>
           </a:p>
         </p:txBody>
@@ -4871,8 +4885,8 @@
         </p:nvSpPr>
         <p:spPr>
           <a:xfrm>
-            <a:off x="952500" y="2609850"/>
-            <a:ext cx="11099800" cy="6286500"/>
+            <a:off x="92760" y="2476442"/>
+            <a:ext cx="11099801" cy="6286501"/>
           </a:xfrm>
           <a:prstGeom prst="rect">
             <a:avLst/>
@@ -4882,117 +4896,102 @@
           <a:bodyPr/>
           <a:lstStyle/>
           <a:p>
-            <a:pPr lvl="0" marL="377825" indent="-377825" defTabSz="496570">
+            <a:pPr lvl="0" marL="257810" indent="-257810" defTabSz="338835">
               <a:spcBef>
-                <a:spcPts val="3500"/>
+                <a:spcPts val="2400"/>
               </a:spcBef>
               <a:defRPr sz="1800"/>
             </a:pPr>
-            <a:endParaRPr sz="1700"/>
-          </a:p>
-          <a:p>
-            <a:pPr lvl="0" marL="377825" indent="-377825" defTabSz="496570">
+            <a:endParaRPr sz="1160"/>
+          </a:p>
+          <a:p>
+            <a:pPr lvl="0" marL="464058" indent="-464058" defTabSz="338835">
               <a:spcBef>
-                <a:spcPts val="3500"/>
+                <a:spcPts val="2400"/>
               </a:spcBef>
               <a:defRPr sz="1800"/>
             </a:pPr>
             <a:r>
-              <a:rPr sz="1700"/>
-              <a:t>The </a:t>
-            </a:r>
-            <a:endParaRPr sz="1700"/>
-          </a:p>
-          <a:p>
-            <a:pPr lvl="0" marL="377825" indent="-377825" defTabSz="496570">
+              <a:rPr sz="2088"/>
+              <a:t>OpenFlow basic idea is that routers are dumb boxes and routing information is to be downloaded from a central controller.</a:t>
+            </a:r>
+            <a:endParaRPr sz="2088"/>
+          </a:p>
+          <a:p>
+            <a:pPr lvl="0" marL="464058" indent="-464058" defTabSz="338835">
               <a:spcBef>
-                <a:spcPts val="3500"/>
+                <a:spcPts val="2400"/>
               </a:spcBef>
               <a:defRPr sz="1800"/>
             </a:pPr>
             <a:r>
-              <a:rPr sz="1700"/>
-              <a:t>Provides a vendor agnostic programming interface to program the network devices. </a:t>
-            </a:r>
-            <a:endParaRPr sz="1700"/>
-          </a:p>
-          <a:p>
-            <a:pPr lvl="0" marL="377825" indent="-377825" defTabSz="496570">
+              <a:rPr sz="2088"/>
+              <a:t>Controller takes in configuration network and other information and outputs a different decision table (flow) for each router.</a:t>
+            </a:r>
+            <a:endParaRPr sz="2088"/>
+          </a:p>
+          <a:p>
+            <a:pPr lvl="0" marL="464058" indent="-464058" defTabSz="338835">
               <a:spcBef>
-                <a:spcPts val="3500"/>
+                <a:spcPts val="2400"/>
               </a:spcBef>
               <a:defRPr sz="1800"/>
             </a:pPr>
             <a:r>
-              <a:rPr sz="1700"/>
-              <a:t>Programmability is one of the main properties of SDN.</a:t>
-            </a:r>
-            <a:endParaRPr sz="1700"/>
-          </a:p>
-          <a:p>
-            <a:pPr lvl="0" marL="377825" indent="-377825" defTabSz="496570">
+              <a:rPr sz="2088"/>
+              <a:t>Packets are selected by port, MAC address, IP address address and table indicates what action to take; drop, forward or modify and then forward.</a:t>
+            </a:r>
+            <a:endParaRPr sz="2088"/>
+          </a:p>
+          <a:p>
+            <a:pPr lvl="0" marL="464058" indent="-464058" defTabSz="338835">
               <a:spcBef>
-                <a:spcPts val="3500"/>
+                <a:spcPts val="2400"/>
               </a:spcBef>
               <a:defRPr sz="1800"/>
             </a:pPr>
             <a:r>
-              <a:rPr sz="1700"/>
-              <a:t>Programmability achieved by an abstracted control plane.</a:t>
-            </a:r>
-            <a:endParaRPr sz="1700"/>
-          </a:p>
-          <a:p>
-            <a:pPr lvl="1" marL="755650" indent="-377825" defTabSz="496570">
+              <a:rPr sz="2088"/>
+              <a:t>OpenFlow is a traffic engineering tool - can program latency sensitive traffic to take the fastest path while bulk flows can the take the cheapest path. </a:t>
+            </a:r>
+            <a:endParaRPr sz="2088"/>
+          </a:p>
+          <a:p>
+            <a:pPr lvl="0" marL="464058" indent="-464058" defTabSz="338835">
               <a:spcBef>
-                <a:spcPts val="3500"/>
+                <a:spcPts val="2400"/>
               </a:spcBef>
-              <a:buChar char="✦"/>
-              <a:defRPr sz="1800"/>
-            </a:pPr>
-            <a:r>
-              <a:rPr sz="1700"/>
-              <a:t>decides of how to handle the traffic</a:t>
-            </a:r>
-            <a:endParaRPr sz="1700"/>
-          </a:p>
-          <a:p>
-            <a:pPr lvl="1" marL="755650" indent="-377825" defTabSz="496570">
+              <a:defRPr sz="1800"/>
+            </a:pPr>
+            <a:r>
+              <a:rPr sz="2088"/>
+              <a:t>OpenFlow is also a NAT - it can rewrite packets</a:t>
+            </a:r>
+            <a:endParaRPr sz="2088"/>
+          </a:p>
+          <a:p>
+            <a:pPr lvl="0" marL="464058" indent="-464058" defTabSz="338835">
               <a:spcBef>
-                <a:spcPts val="3500"/>
+                <a:spcPts val="2400"/>
               </a:spcBef>
-              <a:buChar char="✦"/>
-              <a:defRPr sz="1800"/>
-            </a:pPr>
-            <a:r>
-              <a:rPr sz="1700"/>
-              <a:t>defines “network programs” that manage network elements providing rich applications with enhanced functionality.</a:t>
-            </a:r>
-            <a:endParaRPr sz="1700"/>
-          </a:p>
-          <a:p>
-            <a:pPr lvl="0" marL="377825" indent="-377825" defTabSz="496570">
+              <a:defRPr sz="1800"/>
+            </a:pPr>
+            <a:r>
+              <a:rPr sz="2088"/>
+              <a:t>OpenFlow is also a firewall it can drop packets</a:t>
+            </a:r>
+            <a:endParaRPr sz="2088"/>
+          </a:p>
+          <a:p>
+            <a:pPr lvl="0" marL="464058" indent="-464058" defTabSz="338835">
               <a:spcBef>
-                <a:spcPts val="3500"/>
+                <a:spcPts val="2400"/>
               </a:spcBef>
               <a:defRPr sz="1800"/>
             </a:pPr>
             <a:r>
-              <a:rPr sz="1700"/>
-              <a:t>Decisions of control plane directed as instructions to data plane executed by the forwarding module.</a:t>
-            </a:r>
-            <a:endParaRPr sz="1700"/>
-          </a:p>
-          <a:p>
-            <a:pPr lvl="0" marL="377825" indent="-377825" defTabSz="496570">
-              <a:spcBef>
-                <a:spcPts val="3500"/>
-              </a:spcBef>
-              <a:defRPr sz="1800"/>
-            </a:pPr>
-            <a:r>
-              <a:rPr sz="1700"/>
-              <a:t>Applications use a global view to interact with the control plane.   </a:t>
+              <a:rPr sz="2088"/>
+              <a:t>OpenFlow can also implement ECMP(Equal-cost multi-path) or any other load balancing scheme.</a:t>
             </a:r>
           </a:p>
         </p:txBody>
@@ -9077,6 +9076,10 @@
           </p:nvPr>
         </p:nvSpPr>
         <p:spPr>
+          <a:xfrm>
+            <a:off x="952500" y="38100"/>
+            <a:ext cx="11099800" cy="2159000"/>
+          </a:xfrm>
           <a:prstGeom prst="rect">
             <a:avLst/>
           </a:prstGeom>
@@ -9108,6 +9111,10 @@
           </p:nvPr>
         </p:nvSpPr>
         <p:spPr>
+          <a:xfrm>
+            <a:off x="92760" y="2609850"/>
+            <a:ext cx="11099801" cy="6286500"/>
+          </a:xfrm>
           <a:prstGeom prst="rect">
             <a:avLst/>
           </a:prstGeom>
@@ -9116,61 +9123,79 @@
           <a:bodyPr/>
           <a:lstStyle/>
           <a:p>
-            <a:pPr lvl="0" marL="444500" indent="-444500">
-              <a:defRPr sz="1800"/>
-            </a:pPr>
-            <a:r>
-              <a:rPr sz="2000"/>
+            <a:pPr lvl="0" marL="422275" indent="-422275" defTabSz="554990">
+              <a:spcBef>
+                <a:spcPts val="3900"/>
+              </a:spcBef>
+              <a:defRPr sz="1800"/>
+            </a:pPr>
+            <a:r>
+              <a:rPr sz="3420"/>
               <a:t>About me</a:t>
             </a:r>
-            <a:endParaRPr sz="2000"/>
-          </a:p>
-          <a:p>
-            <a:pPr lvl="0" marL="444500" indent="-444500">
-              <a:defRPr sz="1800"/>
-            </a:pPr>
-            <a:r>
-              <a:rPr sz="2000"/>
+            <a:endParaRPr sz="3420"/>
+          </a:p>
+          <a:p>
+            <a:pPr lvl="0" marL="422275" indent="-422275" defTabSz="554990">
+              <a:spcBef>
+                <a:spcPts val="3900"/>
+              </a:spcBef>
+              <a:defRPr sz="1800"/>
+            </a:pPr>
+            <a:r>
+              <a:rPr sz="3420"/>
               <a:t>Requirements of Software-Defined Networking (SDN)</a:t>
             </a:r>
-            <a:endParaRPr sz="2000"/>
-          </a:p>
-          <a:p>
-            <a:pPr lvl="0" marL="444500" indent="-444500">
-              <a:defRPr sz="1800"/>
-            </a:pPr>
-            <a:r>
-              <a:rPr sz="2000"/>
+            <a:endParaRPr sz="3420"/>
+          </a:p>
+          <a:p>
+            <a:pPr lvl="0" marL="422275" indent="-422275" defTabSz="554990">
+              <a:spcBef>
+                <a:spcPts val="3900"/>
+              </a:spcBef>
+              <a:defRPr sz="1800"/>
+            </a:pPr>
+            <a:r>
+              <a:rPr sz="3420"/>
               <a:t>What is SDN</a:t>
             </a:r>
-            <a:endParaRPr sz="2000"/>
-          </a:p>
-          <a:p>
-            <a:pPr lvl="0" marL="444500" indent="-444500">
-              <a:defRPr sz="1800"/>
-            </a:pPr>
-            <a:r>
-              <a:rPr sz="2000"/>
+            <a:endParaRPr sz="3420"/>
+          </a:p>
+          <a:p>
+            <a:pPr lvl="0" marL="422275" indent="-422275" defTabSz="554990">
+              <a:spcBef>
+                <a:spcPts val="3900"/>
+              </a:spcBef>
+              <a:defRPr sz="1800"/>
+            </a:pPr>
+            <a:r>
+              <a:rPr sz="3420"/>
               <a:t>SDN killer application - Network Function Virtualization NFV</a:t>
             </a:r>
-            <a:endParaRPr sz="2000"/>
-          </a:p>
-          <a:p>
-            <a:pPr lvl="0" marL="444500" indent="-444500">
-              <a:defRPr sz="1800"/>
-            </a:pPr>
-            <a:r>
-              <a:rPr sz="2000"/>
+            <a:endParaRPr sz="3420"/>
+          </a:p>
+          <a:p>
+            <a:pPr lvl="0" marL="422275" indent="-422275" defTabSz="554990">
+              <a:spcBef>
+                <a:spcPts val="3900"/>
+              </a:spcBef>
+              <a:defRPr sz="1800"/>
+            </a:pPr>
+            <a:r>
+              <a:rPr sz="3420"/>
               <a:t>Trema - an OSS SDN controller</a:t>
             </a:r>
-            <a:endParaRPr sz="2000"/>
-          </a:p>
-          <a:p>
-            <a:pPr lvl="0" marL="444500" indent="-444500">
-              <a:defRPr sz="1800"/>
-            </a:pPr>
-            <a:r>
-              <a:rPr sz="2000"/>
+            <a:endParaRPr sz="3420"/>
+          </a:p>
+          <a:p>
+            <a:pPr lvl="0" marL="422275" indent="-422275" defTabSz="554990">
+              <a:spcBef>
+                <a:spcPts val="3900"/>
+              </a:spcBef>
+              <a:defRPr sz="1800"/>
+            </a:pPr>
+            <a:r>
+              <a:rPr sz="3420"/>
               <a:t>Questions</a:t>
             </a:r>
           </a:p>
@@ -9923,8 +9948,8 @@
         </p:nvSpPr>
         <p:spPr>
           <a:xfrm>
-            <a:off x="952500" y="2609850"/>
-            <a:ext cx="11099800" cy="6286500"/>
+            <a:off x="122406" y="2609850"/>
+            <a:ext cx="11099801" cy="6286500"/>
           </a:xfrm>
           <a:prstGeom prst="rect">
             <a:avLst/>
@@ -10064,7 +10089,7 @@
             </a:pPr>
             <a:r>
               <a:rPr sz="6000"/>
-              <a:t>Why we need </a:t>
+              <a:t>Need for </a:t>
             </a:r>
             <a:r>
               <a:rPr sz="6000"/>
@@ -10094,22 +10119,35 @@
           <a:bodyPr/>
           <a:lstStyle/>
           <a:p>
-            <a:pPr lvl="0" marL="444500" indent="-444500">
+            <a:pPr lvl="0" marL="302260" indent="-302260" defTabSz="397256">
               <a:spcBef>
-                <a:spcPts val="4200"/>
+                <a:spcPts val="2800"/>
               </a:spcBef>
               <a:defRPr sz="1800"/>
             </a:pPr>
             <a:r>
-              <a:rPr sz="2000"/>
+              <a:rPr sz="2448"/>
+              <a:t>Computer networks are complex and hard to manage.</a:t>
+            </a:r>
+            <a:endParaRPr sz="2448"/>
+          </a:p>
+          <a:p>
+            <a:pPr lvl="0" marL="302260" indent="-302260" defTabSz="397256">
+              <a:spcBef>
+                <a:spcPts val="2800"/>
+              </a:spcBef>
+              <a:defRPr sz="1800"/>
+            </a:pPr>
+            <a:r>
+              <a:rPr sz="2448"/>
               <a:t>Internet protocol suite - many independent layers, lots of protocols, well defined standards.</a:t>
             </a:r>
-            <a:endParaRPr sz="2000"/>
-          </a:p>
-          <a:p>
-            <a:pPr lvl="1" marL="691444" indent="-246944">
+            <a:endParaRPr sz="2448"/>
+          </a:p>
+          <a:p>
+            <a:pPr lvl="1" marL="470182" indent="-167922" defTabSz="397256">
               <a:spcBef>
-                <a:spcPts val="4200"/>
+                <a:spcPts val="2800"/>
               </a:spcBef>
               <a:buSzPct val="45000"/>
               <a:buBlip>
@@ -10118,15 +10156,15 @@
               <a:defRPr sz="1800"/>
             </a:pPr>
             <a:r>
-              <a:rPr sz="2000"/>
+              <a:rPr sz="2448"/>
               <a:t>Application layer (BGP, and other management protocols)</a:t>
             </a:r>
-            <a:endParaRPr sz="2000"/>
-          </a:p>
-          <a:p>
-            <a:pPr lvl="1" marL="691444" indent="-246944">
+            <a:endParaRPr sz="2448"/>
+          </a:p>
+          <a:p>
+            <a:pPr lvl="1" marL="470182" indent="-167922" defTabSz="397256">
               <a:spcBef>
-                <a:spcPts val="4200"/>
+                <a:spcPts val="2800"/>
               </a:spcBef>
               <a:buSzPct val="45000"/>
               <a:buBlip>
@@ -10135,15 +10173,15 @@
               <a:defRPr sz="1800"/>
             </a:pPr>
             <a:r>
-              <a:rPr sz="2000"/>
+              <a:rPr sz="2448"/>
               <a:t>Transport layer ( Best-effort delivery TCP, UDP others)</a:t>
             </a:r>
-            <a:endParaRPr sz="2000"/>
-          </a:p>
-          <a:p>
-            <a:pPr lvl="1" marL="691444" indent="-246944">
+            <a:endParaRPr sz="2448"/>
+          </a:p>
+          <a:p>
+            <a:pPr lvl="1" marL="470182" indent="-167922" defTabSz="397256">
               <a:spcBef>
-                <a:spcPts val="4200"/>
+                <a:spcPts val="2800"/>
               </a:spcBef>
               <a:buSzPct val="45000"/>
               <a:buBlip>
@@ -10152,15 +10190,15 @@
               <a:defRPr sz="1800"/>
             </a:pPr>
             <a:r>
-              <a:rPr sz="2000"/>
+              <a:rPr sz="2448"/>
               <a:t>Internet layer (IP, ICMP, IPsec)</a:t>
             </a:r>
-            <a:endParaRPr sz="2000"/>
-          </a:p>
-          <a:p>
-            <a:pPr lvl="1" marL="691444" indent="-246944">
+            <a:endParaRPr sz="2448"/>
+          </a:p>
+          <a:p>
+            <a:pPr lvl="1" marL="470182" indent="-167922" defTabSz="397256">
               <a:spcBef>
-                <a:spcPts val="4200"/>
+                <a:spcPts val="2800"/>
               </a:spcBef>
               <a:buSzPct val="45000"/>
               <a:buBlip>
@@ -10169,7 +10207,7 @@
               <a:defRPr sz="1800"/>
             </a:pPr>
             <a:r>
-              <a:rPr sz="2000"/>
+              <a:rPr sz="2448"/>
               <a:t>Link layer (OSPF, ARP Tunnels, Media access control (Ethernet))</a:t>
             </a:r>
           </a:p>
@@ -10534,7 +10572,7 @@
             </a:pPr>
             <a:r>
               <a:rPr sz="6000"/>
-              <a:t>Multifunctional router/switch</a:t>
+              <a:t>Many kind of equipment</a:t>
             </a:r>
           </a:p>
         </p:txBody>
@@ -10560,35 +10598,74 @@
           <a:bodyPr/>
           <a:lstStyle/>
           <a:p>
-            <a:pPr lvl="0" marL="444500" indent="-444500">
+            <a:pPr lvl="0" marL="213360" indent="-213360" defTabSz="280415">
               <a:spcBef>
-                <a:spcPts val="4200"/>
+                <a:spcPts val="2000"/>
               </a:spcBef>
               <a:defRPr sz="1800"/>
             </a:pPr>
             <a:r>
-              <a:rPr sz="2000"/>
+              <a:rPr sz="1727"/>
+              <a:t>Routers, switches, middleboxes (firewalls, network address translators, server load balances, intrusion detection systems)</a:t>
+            </a:r>
+            <a:endParaRPr sz="1727"/>
+          </a:p>
+          <a:p>
+            <a:pPr lvl="0" marL="213360" indent="-213360" defTabSz="280415">
+              <a:spcBef>
+                <a:spcPts val="2000"/>
+              </a:spcBef>
+              <a:defRPr sz="1800"/>
+            </a:pPr>
+            <a:r>
+              <a:rPr sz="1727"/>
+              <a:t>Routers and switches run complex distributed control software typically closed and proprietary.</a:t>
+            </a:r>
+            <a:endParaRPr sz="1727"/>
+          </a:p>
+          <a:p>
+            <a:pPr lvl="0" marL="213360" indent="-213360" defTabSz="280415">
+              <a:spcBef>
+                <a:spcPts val="2000"/>
+              </a:spcBef>
+              <a:defRPr sz="1800"/>
+            </a:pPr>
+            <a:r>
+              <a:rPr sz="1727"/>
               <a:t>a soup of protocols, all three layers implemented in one box, lots of decision logic.</a:t>
             </a:r>
-            <a:endParaRPr sz="2000"/>
-          </a:p>
-          <a:p>
-            <a:pPr lvl="0" marL="444500" indent="-444500">
+            <a:endParaRPr sz="1727"/>
+          </a:p>
+          <a:p>
+            <a:pPr lvl="0" marL="213360" indent="-213360" defTabSz="280415">
               <a:spcBef>
-                <a:spcPts val="4200"/>
+                <a:spcPts val="2000"/>
               </a:spcBef>
               <a:defRPr sz="1800"/>
             </a:pPr>
             <a:r>
-              <a:rPr sz="2000"/>
+              <a:rPr sz="1727"/>
+              <a:t>Implemented network protocols undergo years of standardization and interoperability testing.</a:t>
+            </a:r>
+            <a:endParaRPr sz="1727"/>
+          </a:p>
+          <a:p>
+            <a:pPr lvl="0" marL="213360" indent="-213360" defTabSz="280415">
+              <a:spcBef>
+                <a:spcPts val="2000"/>
+              </a:spcBef>
+              <a:defRPr sz="1800"/>
+            </a:pPr>
+            <a:r>
+              <a:rPr sz="1727"/>
               <a:t> Management plane: CLI/GUI</a:t>
             </a:r>
-            <a:endParaRPr sz="2000"/>
-          </a:p>
-          <a:p>
-            <a:pPr lvl="1" marL="673100" indent="-228600">
+            <a:endParaRPr sz="1727"/>
+          </a:p>
+          <a:p>
+            <a:pPr lvl="1" marL="323087" indent="-109727" defTabSz="280415">
               <a:spcBef>
-                <a:spcPts val="4200"/>
+                <a:spcPts val="2000"/>
               </a:spcBef>
               <a:buSzPct val="100000"/>
               <a:buBlip>
@@ -10597,15 +10674,15 @@
               <a:defRPr sz="1800"/>
             </a:pPr>
             <a:r>
-              <a:rPr sz="2000"/>
+              <a:rPr sz="1727"/>
               <a:t> Control plane: static routes, OSPF(Open Shortest Path), Neighbor, link, ip routing tables</a:t>
             </a:r>
-            <a:endParaRPr sz="2000"/>
-          </a:p>
-          <a:p>
-            <a:pPr lvl="1" marL="673100" indent="-228600">
+            <a:endParaRPr sz="1727"/>
+          </a:p>
+          <a:p>
+            <a:pPr lvl="1" marL="323087" indent="-109727" defTabSz="280415">
               <a:spcBef>
-                <a:spcPts val="4200"/>
+                <a:spcPts val="2000"/>
               </a:spcBef>
               <a:buSzPct val="100000"/>
               <a:buBlip>
@@ -10614,33 +10691,46 @@
               <a:defRPr sz="1800"/>
             </a:pPr>
             <a:r>
-              <a:rPr sz="2000"/>
+              <a:rPr sz="1727"/>
               <a:t> Data plane: forwarding table</a:t>
             </a:r>
-            <a:endParaRPr sz="2000"/>
-          </a:p>
-          <a:p>
-            <a:pPr lvl="0" marL="444500" indent="-444500">
+            <a:endParaRPr sz="1727"/>
+          </a:p>
+          <a:p>
+            <a:pPr lvl="0" marL="213360" indent="-213360" defTabSz="280415">
               <a:spcBef>
-                <a:spcPts val="4200"/>
+                <a:spcPts val="2000"/>
               </a:spcBef>
               <a:defRPr sz="1800"/>
             </a:pPr>
             <a:r>
-              <a:rPr sz="2000"/>
+              <a:rPr sz="1727"/>
               <a:t>Some protocols like BGP require manual configuration. </a:t>
             </a:r>
-            <a:endParaRPr sz="2000"/>
-          </a:p>
-          <a:p>
-            <a:pPr lvl="0" marL="444500" indent="-444500">
+            <a:endParaRPr sz="1727"/>
+          </a:p>
+          <a:p>
+            <a:pPr lvl="0" marL="213360" indent="-213360" defTabSz="280415">
               <a:spcBef>
-                <a:spcPts val="4200"/>
+                <a:spcPts val="2000"/>
               </a:spcBef>
               <a:defRPr sz="1800"/>
             </a:pPr>
             <a:r>
-              <a:rPr sz="2000"/>
+              <a:rPr sz="1727"/>
+              <a:t>Configuration interfaces vary between vendors.</a:t>
+            </a:r>
+            <a:endParaRPr sz="1727"/>
+          </a:p>
+          <a:p>
+            <a:pPr lvl="0" marL="213360" indent="-213360" defTabSz="280415">
+              <a:spcBef>
+                <a:spcPts val="2000"/>
+              </a:spcBef>
+              <a:defRPr sz="1800"/>
+            </a:pPr>
+            <a:r>
+              <a:rPr sz="1727"/>
               <a:t>A misconfiguration may have a significant impact on the network.</a:t>
             </a:r>
           </a:p>
@@ -11647,72 +11737,93 @@
           <a:bodyPr/>
           <a:lstStyle/>
           <a:p>
-            <a:pPr lvl="0" marL="444500" indent="-444500">
-              <a:defRPr sz="1800"/>
-            </a:pPr>
-            <a:r>
-              <a:rPr sz="2000"/>
+            <a:pPr lvl="0" marL="293370" indent="-293370" defTabSz="385572">
+              <a:spcBef>
+                <a:spcPts val="2700"/>
+              </a:spcBef>
+              <a:defRPr sz="1800"/>
+            </a:pPr>
+            <a:r>
+              <a:rPr sz="2376"/>
               <a:t>end-to-end quality of service assurance </a:t>
             </a:r>
-            <a:endParaRPr sz="2000"/>
-          </a:p>
-          <a:p>
-            <a:pPr lvl="0" marL="444500" indent="-444500">
-              <a:defRPr sz="1800"/>
-            </a:pPr>
-            <a:r>
-              <a:rPr sz="2000"/>
+            <a:endParaRPr sz="2376"/>
+          </a:p>
+          <a:p>
+            <a:pPr lvl="0" marL="293370" indent="-293370" defTabSz="385572">
+              <a:spcBef>
+                <a:spcPts val="2700"/>
+              </a:spcBef>
+              <a:defRPr sz="1800"/>
+            </a:pPr>
+            <a:r>
+              <a:rPr sz="2376"/>
               <a:t>easy access to network from any user device</a:t>
             </a:r>
-            <a:endParaRPr sz="2000"/>
-          </a:p>
-          <a:p>
-            <a:pPr lvl="0" marL="444500" indent="-444500">
-              <a:defRPr sz="1800"/>
-            </a:pPr>
-            <a:r>
-              <a:rPr sz="2000"/>
+            <a:endParaRPr sz="2376"/>
+          </a:p>
+          <a:p>
+            <a:pPr lvl="0" marL="293370" indent="-293370" defTabSz="385572">
+              <a:spcBef>
+                <a:spcPts val="2700"/>
+              </a:spcBef>
+              <a:defRPr sz="1800"/>
+            </a:pPr>
+            <a:r>
+              <a:rPr sz="2376"/>
               <a:t>User mobility</a:t>
             </a:r>
-            <a:endParaRPr sz="2000"/>
-          </a:p>
-          <a:p>
-            <a:pPr lvl="0" marL="444500" indent="-444500">
-              <a:defRPr sz="1800"/>
-            </a:pPr>
-            <a:r>
-              <a:rPr sz="2000"/>
+            <a:endParaRPr sz="2376"/>
+          </a:p>
+          <a:p>
+            <a:pPr lvl="0" marL="293370" indent="-293370" defTabSz="385572">
+              <a:spcBef>
+                <a:spcPts val="2700"/>
+              </a:spcBef>
+              <a:defRPr sz="1800"/>
+            </a:pPr>
+            <a:r>
+              <a:rPr sz="2376"/>
               <a:t>isolation of user typically found in cloud system while maximizing resource sharing</a:t>
             </a:r>
-            <a:endParaRPr sz="2000"/>
-          </a:p>
-          <a:p>
-            <a:pPr lvl="0" marL="444500" indent="-444500">
-              <a:defRPr sz="1800"/>
-            </a:pPr>
-            <a:r>
-              <a:rPr sz="2000"/>
+            <a:endParaRPr sz="2376"/>
+          </a:p>
+          <a:p>
+            <a:pPr lvl="0" marL="293370" indent="-293370" defTabSz="385572">
+              <a:spcBef>
+                <a:spcPts val="2700"/>
+              </a:spcBef>
+              <a:defRPr sz="1800"/>
+            </a:pPr>
+            <a:r>
+              <a:rPr sz="2376"/>
               <a:t>higher bandwidth requirements with introduction and support of 3D high definition content.</a:t>
             </a:r>
-            <a:endParaRPr sz="2000"/>
-          </a:p>
-          <a:p>
-            <a:pPr lvl="0" marL="444500" indent="-444500">
-              <a:defRPr sz="1800"/>
-            </a:pPr>
-            <a:r>
-              <a:rPr sz="2000"/>
+            <a:endParaRPr sz="2376"/>
+          </a:p>
+          <a:p>
+            <a:pPr lvl="0" marL="293370" indent="-293370" defTabSz="385572">
+              <a:spcBef>
+                <a:spcPts val="2700"/>
+              </a:spcBef>
+              <a:defRPr sz="1800"/>
+            </a:pPr>
+            <a:r>
+              <a:rPr sz="2376"/>
               <a:t>to deal with such diverse traffic patterns</a:t>
             </a:r>
-            <a:endParaRPr sz="2000"/>
-          </a:p>
-          <a:p>
-            <a:pPr lvl="1">
+            <a:endParaRPr sz="2376"/>
+          </a:p>
+          <a:p>
+            <a:pPr lvl="1" marL="586740" indent="-293370" defTabSz="385572">
+              <a:spcBef>
+                <a:spcPts val="2700"/>
+              </a:spcBef>
               <a:buChar char="★"/>
               <a:defRPr sz="1800"/>
             </a:pPr>
             <a:r>
-              <a:rPr sz="2000"/>
+              <a:rPr sz="2376"/>
               <a:t>middleboxes, load balances, firewalls, Carrier Grade NAT (CG-NAT), intrusion prevention system (IPS), intrusion detection system (IDS), encryption and compression engines.  </a:t>
             </a:r>
           </a:p>
@@ -11774,7 +11885,7 @@
             </a:pPr>
             <a:r>
               <a:rPr sz="6000"/>
-              <a:t>SDN definition</a:t>
+              <a:t>What is SDN?</a:t>
             </a:r>
           </a:p>
         </p:txBody>
@@ -11800,53 +11911,53 @@
           <a:bodyPr/>
           <a:lstStyle/>
           <a:p>
-            <a:pPr lvl="0" marL="444500" indent="-444500">
+            <a:pPr lvl="0" marL="293370" indent="-293370" defTabSz="385572">
               <a:spcBef>
-                <a:spcPts val="4200"/>
+                <a:spcPts val="2700"/>
               </a:spcBef>
               <a:defRPr sz="1800"/>
             </a:pPr>
             <a:r>
-              <a:rPr sz="2000"/>
-              <a:t>SDN is analogous to any operating system. SDN’s OS is called Network OS(NOS).</a:t>
-            </a:r>
-            <a:endParaRPr sz="2000"/>
-          </a:p>
-          <a:p>
-            <a:pPr lvl="0" marL="444500" indent="-444500">
+              <a:rPr sz="2376"/>
+              <a:t>SDN analogous to any operating system. SDN’s OS is called Network OS(NOS).</a:t>
+            </a:r>
+            <a:endParaRPr sz="2376"/>
+          </a:p>
+          <a:p>
+            <a:pPr lvl="0" marL="293370" indent="-293370" defTabSz="385572">
               <a:spcBef>
-                <a:spcPts val="4200"/>
+                <a:spcPts val="2700"/>
               </a:spcBef>
               <a:defRPr sz="1800"/>
             </a:pPr>
             <a:r>
-              <a:rPr sz="2000"/>
-              <a:t>NOS separates abstracts and centralizes the control of the network from the underlying forwarding infrastructure.</a:t>
-            </a:r>
-            <a:endParaRPr sz="2000"/>
-          </a:p>
-          <a:p>
-            <a:pPr lvl="0" marL="444500" indent="-444500">
+              <a:rPr sz="2376"/>
+              <a:t>NOS separates abstracts and centralizes the control of the network (which decides how to handle the traffic) from the underlying data forwarding plane (which forwards traffic according to decisions that the control plane makes).</a:t>
+            </a:r>
+            <a:endParaRPr sz="2376"/>
+          </a:p>
+          <a:p>
+            <a:pPr lvl="0" marL="293370" indent="-293370" defTabSz="385572">
               <a:spcBef>
-                <a:spcPts val="4200"/>
+                <a:spcPts val="2700"/>
               </a:spcBef>
               <a:defRPr sz="1800"/>
             </a:pPr>
             <a:r>
-              <a:rPr sz="2000"/>
+              <a:rPr sz="2376"/>
               <a:t>NOS segregates applications from knowing low level details to program the network.</a:t>
             </a:r>
-            <a:endParaRPr sz="2000"/>
-          </a:p>
-          <a:p>
-            <a:pPr lvl="0" marL="444500" indent="-444500">
+            <a:endParaRPr sz="2376"/>
+          </a:p>
+          <a:p>
+            <a:pPr lvl="0" marL="293370" indent="-293370" defTabSz="385572">
               <a:spcBef>
-                <a:spcPts val="4200"/>
+                <a:spcPts val="2700"/>
               </a:spcBef>
               <a:defRPr sz="1800"/>
             </a:pPr>
             <a:r>
-              <a:rPr sz="2000"/>
+              <a:rPr sz="2376"/>
               <a:t>Forwarding infrastructure - a list of sparse network elements refer to as switches or as network elements.</a:t>
             </a:r>
           </a:p>
@@ -12495,6 +12606,10 @@
           </p:nvPr>
         </p:nvSpPr>
         <p:spPr>
+          <a:xfrm>
+            <a:off x="952500" y="38100"/>
+            <a:ext cx="11099800" cy="2159000"/>
+          </a:xfrm>
           <a:prstGeom prst="rect">
             <a:avLst/>
           </a:prstGeom>
@@ -12512,7 +12627,7 @@
             </a:pPr>
             <a:r>
               <a:rPr sz="6000"/>
-              <a:t>SDN definition</a:t>
+              <a:t>what is SDN?</a:t>
             </a:r>
           </a:p>
         </p:txBody>
@@ -12527,7 +12642,7 @@
         </p:nvSpPr>
         <p:spPr>
           <a:xfrm>
-            <a:off x="77936" y="2182103"/>
+            <a:off x="137229" y="2182103"/>
             <a:ext cx="6320490" cy="6286501"/>
           </a:xfrm>
           <a:prstGeom prst="rect">
@@ -12538,53 +12653,41 @@
           <a:bodyPr/>
           <a:lstStyle/>
           <a:p>
-            <a:pPr lvl="0" marL="444500" indent="-444500">
-              <a:spcBef>
-                <a:spcPts val="4200"/>
-              </a:spcBef>
-              <a:defRPr sz="1800"/>
-            </a:pPr>
-            <a:r>
-              <a:rPr sz="2000"/>
+            <a:pPr lvl="0" marL="346710" indent="-346710" defTabSz="455675">
+              <a:defRPr sz="1800"/>
+            </a:pPr>
+            <a:r>
+              <a:rPr sz="2807"/>
               <a:t>Applications use the northbound API to interact with the SDN control plane.</a:t>
             </a:r>
-            <a:endParaRPr sz="2000"/>
-          </a:p>
-          <a:p>
-            <a:pPr lvl="0" marL="444500" indent="-444500">
-              <a:spcBef>
-                <a:spcPts val="4200"/>
-              </a:spcBef>
-              <a:defRPr sz="1800"/>
-            </a:pPr>
-            <a:r>
-              <a:rPr sz="2000"/>
+            <a:endParaRPr sz="2807"/>
+          </a:p>
+          <a:p>
+            <a:pPr lvl="0" marL="346710" indent="-346710" defTabSz="455675">
+              <a:defRPr sz="1800"/>
+            </a:pPr>
+            <a:r>
+              <a:rPr sz="2807"/>
               <a:t>SDN control plane hosts specific network modules and other more general modules.</a:t>
             </a:r>
-            <a:endParaRPr sz="2000"/>
-          </a:p>
-          <a:p>
-            <a:pPr lvl="0" marL="444500" indent="-444500">
-              <a:spcBef>
-                <a:spcPts val="4200"/>
-              </a:spcBef>
-              <a:defRPr sz="1800"/>
-            </a:pPr>
-            <a:r>
-              <a:rPr sz="2000"/>
+            <a:endParaRPr sz="2807"/>
+          </a:p>
+          <a:p>
+            <a:pPr lvl="0" marL="346710" indent="-346710" defTabSz="455675">
+              <a:defRPr sz="1800"/>
+            </a:pPr>
+            <a:r>
+              <a:rPr sz="2807"/>
               <a:t>Control plane to data plane interaction is governed by the southbound API. </a:t>
             </a:r>
-            <a:endParaRPr sz="2000"/>
-          </a:p>
-          <a:p>
-            <a:pPr lvl="0" marL="444500" indent="-444500">
-              <a:spcBef>
-                <a:spcPts val="4200"/>
-              </a:spcBef>
-              <a:defRPr sz="1800"/>
-            </a:pPr>
-            <a:r>
-              <a:rPr sz="2000"/>
+            <a:endParaRPr sz="2807"/>
+          </a:p>
+          <a:p>
+            <a:pPr lvl="0" marL="346710" indent="-346710" defTabSz="455675">
+              <a:defRPr sz="1800"/>
+            </a:pPr>
+            <a:r>
+              <a:rPr sz="2807"/>
               <a:t>OpenFlow is one of the most used control protocol but not the only one.</a:t>
             </a:r>
           </a:p>
@@ -13939,40 +14042,40 @@
           <a:bodyPr/>
           <a:lstStyle/>
           <a:p>
-            <a:pPr lvl="0" marL="444500" indent="-444500">
+            <a:pPr lvl="0" marL="435610" indent="-435610" defTabSz="572516">
               <a:spcBef>
-                <a:spcPts val="4200"/>
+                <a:spcPts val="4100"/>
               </a:spcBef>
               <a:defRPr sz="1800"/>
             </a:pPr>
             <a:r>
-              <a:rPr sz="2000"/>
+              <a:rPr sz="3528"/>
               <a:t>Clean separation b/n application and control layer.</a:t>
             </a:r>
-            <a:endParaRPr sz="2000"/>
-          </a:p>
-          <a:p>
-            <a:pPr lvl="0" marL="444500" indent="-444500">
+            <a:endParaRPr sz="3528"/>
+          </a:p>
+          <a:p>
+            <a:pPr lvl="0" marL="435610" indent="-435610" defTabSz="572516">
               <a:spcBef>
-                <a:spcPts val="4200"/>
+                <a:spcPts val="4100"/>
               </a:spcBef>
               <a:defRPr sz="1800"/>
             </a:pPr>
             <a:r>
-              <a:rPr sz="2000"/>
+              <a:rPr sz="3528"/>
               <a:t>Logically centralized control layer responsible for creating network services for applications to use.</a:t>
             </a:r>
-            <a:endParaRPr sz="2000"/>
-          </a:p>
-          <a:p>
-            <a:pPr lvl="0" marL="444500" indent="-444500">
+            <a:endParaRPr sz="3528"/>
+          </a:p>
+          <a:p>
+            <a:pPr lvl="0" marL="435610" indent="-435610" defTabSz="572516">
               <a:spcBef>
-                <a:spcPts val="4200"/>
+                <a:spcPts val="4100"/>
               </a:spcBef>
               <a:defRPr sz="1800"/>
             </a:pPr>
             <a:r>
-              <a:rPr sz="2000"/>
+              <a:rPr sz="3528"/>
               <a:t>Infrastructure layer executes actions on behalf of the control layer. </a:t>
             </a:r>
           </a:p>
